--- a/contributed-data/1_aging_infrastructure/DO NOT USE - test files/Untapped 2018_Datathon Workshop_video.pptx
+++ b/contributed-data/1_aging_infrastructure/DO NOT USE - test files/Untapped 2018_Datathon Workshop_video.pptx
@@ -4672,27 +4672,19 @@
               <a:t>UNTAPPED Energy 2018</a:t>
             </a:r>
             <a:br>
-              <a:rPr lang="en-US" dirty="0">
+              <a:rPr lang="en-US">
                 <a:solidFill>
                   <a:schemeClr val="bg1"/>
                 </a:solidFill>
               </a:rPr>
             </a:br>
             <a:r>
-              <a:rPr lang="en-US" sz="4000" dirty="0">
+              <a:rPr lang="en-US" sz="4000">
                 <a:solidFill>
                   <a:schemeClr val="bg1"/>
                 </a:solidFill>
               </a:rPr>
-              <a:t>Oil and Gas </a:t>
-            </a:r>
-            <a:r>
-              <a:rPr lang="en-US" sz="4000" dirty="0" err="1">
-                <a:solidFill>
-                  <a:schemeClr val="bg1"/>
-                </a:solidFill>
-              </a:rPr>
-              <a:t>Datathon</a:t>
+              <a:t>test for GIT</a:t>
             </a:r>
             <a:br>
               <a:rPr lang="en-US" sz="4000" dirty="0">

--- a/contributed-data/1_aging_infrastructure/DO NOT USE - test files/Untapped 2018_Datathon Workshop_video.pptx
+++ b/contributed-data/1_aging_infrastructure/DO NOT USE - test files/Untapped 2018_Datathon Workshop_video.pptx
@@ -4672,19 +4672,19 @@
               <a:t>UNTAPPED Energy 2018</a:t>
             </a:r>
             <a:br>
-              <a:rPr lang="en-US">
+              <a:rPr lang="en-US" dirty="0">
                 <a:solidFill>
                   <a:schemeClr val="bg1"/>
                 </a:solidFill>
               </a:rPr>
             </a:br>
             <a:r>
-              <a:rPr lang="en-US" sz="4000">
+              <a:rPr lang="en-US" sz="4000" dirty="0">
                 <a:solidFill>
                   <a:schemeClr val="bg1"/>
                 </a:solidFill>
               </a:rPr>
-              <a:t>test for GIT</a:t>
+              <a:t>test for GIT collaboration</a:t>
             </a:r>
             <a:br>
               <a:rPr lang="en-US" sz="4000" dirty="0">

--- a/contributed-data/1_aging_infrastructure/DO NOT USE - test files/Untapped 2018_Datathon Workshop_video.pptx
+++ b/contributed-data/1_aging_infrastructure/DO NOT USE - test files/Untapped 2018_Datathon Workshop_video.pptx
@@ -4400,7 +4400,7 @@
         </p:nvSpPr>
         <p:spPr>
           <a:xfrm>
-            <a:off x="556260" y="110516"/>
+            <a:off x="632460" y="590550"/>
             <a:ext cx="8511540" cy="4061434"/>
           </a:xfrm>
           <a:prstGeom prst="rect">
@@ -4685,6 +4685,16 @@
                 </a:solidFill>
               </a:rPr>
               <a:t>test for GIT collaboration</a:t>
+            </a:r>
+          </a:p>
+          <a:p>
+            <a:r>
+              <a:rPr lang="en-US" sz="4000" dirty="0">
+                <a:solidFill>
+                  <a:schemeClr val="bg1"/>
+                </a:solidFill>
+              </a:rPr>
+              <a:t>Collaboration test for GIT</a:t>
             </a:r>
             <a:br>
               <a:rPr lang="en-US" sz="4000" dirty="0">

--- a/contributed-data/1_aging_infrastructure/DO NOT USE - test files/Untapped 2018_Datathon Workshop_video.pptx
+++ b/contributed-data/1_aging_infrastructure/DO NOT USE - test files/Untapped 2018_Datathon Workshop_video.pptx
@@ -4679,22 +4679,40 @@
               </a:rPr>
             </a:br>
             <a:r>
-              <a:rPr lang="en-US" sz="4000" dirty="0">
+              <a:rPr lang="en-US" sz="1400" dirty="0">
                 <a:solidFill>
                   <a:schemeClr val="bg1"/>
                 </a:solidFill>
               </a:rPr>
-              <a:t>test for GIT collaboration</a:t>
+              <a:t>1. test for GIT collaboration</a:t>
             </a:r>
           </a:p>
           <a:p>
             <a:r>
-              <a:rPr lang="en-US" sz="4000" dirty="0">
+              <a:rPr lang="en-US" sz="1400" dirty="0">
                 <a:solidFill>
                   <a:schemeClr val="bg1"/>
                 </a:solidFill>
               </a:rPr>
-              <a:t>Collaboration test for GIT</a:t>
+              <a:t>2. Collaboration test for GIT</a:t>
+            </a:r>
+          </a:p>
+          <a:p>
+            <a:r>
+              <a:rPr lang="en-US" sz="1400" dirty="0">
+                <a:solidFill>
+                  <a:schemeClr val="bg1"/>
+                </a:solidFill>
+              </a:rPr>
+              <a:t>3. Testing </a:t>
+            </a:r>
+            <a:r>
+              <a:rPr lang="en-US" sz="1400">
+                <a:solidFill>
+                  <a:schemeClr val="bg1"/>
+                </a:solidFill>
+              </a:rPr>
+              <a:t>for collaboration on GIT</a:t>
             </a:r>
             <a:br>
               <a:rPr lang="en-US" sz="4000" dirty="0">

--- a/contributed-data/1_aging_infrastructure/DO NOT USE - test files/Untapped 2018_Datathon Workshop_video.pptx
+++ b/contributed-data/1_aging_infrastructure/DO NOT USE - test files/Untapped 2018_Datathon Workshop_video.pptx
@@ -4704,7 +4704,17 @@
                   <a:schemeClr val="bg1"/>
                 </a:solidFill>
               </a:rPr>
-              <a:t>3. Testing </a:t>
+              <a:t>3. Testing for collaboration on GIT</a:t>
+            </a:r>
+          </a:p>
+          <a:p>
+            <a:r>
+              <a:rPr lang="en-US" sz="1400" dirty="0">
+                <a:solidFill>
+                  <a:schemeClr val="bg1"/>
+                </a:solidFill>
+              </a:rPr>
+              <a:t>4. </a:t>
             </a:r>
             <a:r>
               <a:rPr lang="en-US" sz="1400">
@@ -4712,7 +4722,7 @@
                   <a:schemeClr val="bg1"/>
                 </a:solidFill>
               </a:rPr>
-              <a:t>for collaboration on GIT</a:t>
+              <a:t>Collaboration for test 6</a:t>
             </a:r>
             <a:br>
               <a:rPr lang="en-US" sz="4000" dirty="0">

--- a/contributed-data/1_aging_infrastructure/DO NOT USE - test files/Untapped 2018_Datathon Workshop_video.pptx
+++ b/contributed-data/1_aging_infrastructure/DO NOT USE - test files/Untapped 2018_Datathon Workshop_video.pptx
@@ -250,7 +250,7 @@
   </p:defaultTextStyle>
   <p:extLst>
     <p:ext uri="{EFAFB233-063F-42B5-8137-9DF3F51BA10A}">
-      <p15:sldGuideLst xmlns:p15="http://schemas.microsoft.com/office/powerpoint/2012/main">
+      <p15:sldGuideLst xmlns:p15="http://schemas.microsoft.com/office/powerpoint/2012/main" xmlns="">
         <p15:guide id="1" orient="horz" pos="1620">
           <p15:clr>
             <a:srgbClr val="A4A3A4"/>
@@ -4714,15 +4714,41 @@
                   <a:schemeClr val="bg1"/>
                 </a:solidFill>
               </a:rPr>
-              <a:t>4. </a:t>
+              <a:t>4. Collaboration for test </a:t>
             </a:r>
             <a:r>
-              <a:rPr lang="en-US" sz="1400">
+              <a:rPr lang="en-US" sz="1400" dirty="0" smtClean="0">
                 <a:solidFill>
                   <a:schemeClr val="bg1"/>
                 </a:solidFill>
               </a:rPr>
-              <a:t>Collaboration for test 6</a:t>
+              <a:t>6</a:t>
+            </a:r>
+          </a:p>
+          <a:p>
+            <a:r>
+              <a:rPr lang="en-US" sz="1400" dirty="0" smtClean="0">
+                <a:solidFill>
+                  <a:schemeClr val="bg1"/>
+                </a:solidFill>
+              </a:rPr>
+              <a:t>5. From SU </a:t>
+            </a:r>
+            <a:r>
+              <a:rPr lang="en-US" sz="1400" dirty="0" err="1" smtClean="0">
+                <a:solidFill>
+                  <a:schemeClr val="bg1"/>
+                </a:solidFill>
+              </a:rPr>
+              <a:t>lan</a:t>
+            </a:r>
+            <a:r>
+              <a:rPr lang="en-US" sz="4000" dirty="0">
+                <a:solidFill>
+                  <a:schemeClr val="bg1"/>
+                </a:solidFill>
+              </a:rPr>
+              <a:t/>
             </a:r>
             <a:br>
               <a:rPr lang="en-US" sz="4000" dirty="0">
@@ -4731,6 +4757,14 @@
                 </a:solidFill>
               </a:rPr>
             </a:br>
+            <a:r>
+              <a:rPr lang="en-US" sz="4000" dirty="0">
+                <a:solidFill>
+                  <a:schemeClr val="bg1"/>
+                </a:solidFill>
+              </a:rPr>
+              <a:t/>
+            </a:r>
             <a:br>
               <a:rPr lang="en-US" sz="4000" dirty="0">
                 <a:solidFill>
@@ -4772,6 +4806,14 @@
               </a:rPr>
               <a:t>Zakaib</a:t>
             </a:r>
+            <a:r>
+              <a:rPr lang="en-US" sz="4000" dirty="0">
+                <a:solidFill>
+                  <a:schemeClr val="tx1"/>
+                </a:solidFill>
+              </a:rPr>
+              <a:t/>
+            </a:r>
             <a:br>
               <a:rPr lang="en-US" sz="4000" dirty="0">
                 <a:solidFill>
@@ -4792,6 +4834,13 @@
   <p:clrMapOvr>
     <a:masterClrMapping/>
   </p:clrMapOvr>
+  <p:timing>
+    <p:tnLst>
+      <p:par>
+        <p:cTn id="1" dur="indefinite" restart="never" nodeType="tmRoot"/>
+      </p:par>
+    </p:tnLst>
+  </p:timing>
 </p:sld>
 </file>
 
